--- a/ВВНПН.pptx
+++ b/ВВНПН.pptx
@@ -248,7 +248,7 @@
           </a:lstStyle>
           <a:p>
             <a:r>
-              <a:rPr lang="en-US" smtClean="0"/>
+              <a:rPr lang="en-US"/>
               <a:t>Click to edit Master title style</a:t>
             </a:r>
             <a:endParaRPr lang="en-US" dirty="0"/>
@@ -320,7 +320,7 @@
           </a:lstStyle>
           <a:p>
             <a:r>
-              <a:rPr lang="en-US" smtClean="0"/>
+              <a:rPr lang="en-US"/>
               <a:t>Click to edit Master subtitle style</a:t>
             </a:r>
             <a:endParaRPr lang="en-US" dirty="0"/>
@@ -476,7 +476,7 @@
           <a:lstStyle/>
           <a:p>
             <a:r>
-              <a:rPr lang="en-US" smtClean="0"/>
+              <a:rPr lang="en-US"/>
               <a:t>Click to edit Master title style</a:t>
             </a:r>
             <a:endParaRPr lang="en-US" dirty="0"/>
@@ -500,35 +500,35 @@
           <a:p>
             <a:pPr lvl="0"/>
             <a:r>
-              <a:rPr lang="en-US" smtClean="0"/>
+              <a:rPr lang="en-US"/>
               <a:t>Edit Master text styles</a:t>
             </a:r>
           </a:p>
           <a:p>
             <a:pPr lvl="1"/>
             <a:r>
-              <a:rPr lang="en-US" smtClean="0"/>
+              <a:rPr lang="en-US"/>
               <a:t>Second level</a:t>
             </a:r>
           </a:p>
           <a:p>
             <a:pPr lvl="2"/>
             <a:r>
-              <a:rPr lang="en-US" smtClean="0"/>
+              <a:rPr lang="en-US"/>
               <a:t>Third level</a:t>
             </a:r>
           </a:p>
           <a:p>
             <a:pPr lvl="3"/>
             <a:r>
-              <a:rPr lang="en-US" smtClean="0"/>
+              <a:rPr lang="en-US"/>
               <a:t>Fourth level</a:t>
             </a:r>
           </a:p>
           <a:p>
             <a:pPr lvl="4"/>
             <a:r>
-              <a:rPr lang="en-US" smtClean="0"/>
+              <a:rPr lang="en-US"/>
               <a:t>Fifth level</a:t>
             </a:r>
             <a:endParaRPr lang="en-US" dirty="0"/>
@@ -727,7 +727,7 @@
           <a:lstStyle/>
           <a:p>
             <a:r>
-              <a:rPr lang="en-US" smtClean="0"/>
+              <a:rPr lang="en-US"/>
               <a:t>Click to edit Master title style</a:t>
             </a:r>
             <a:endParaRPr lang="en-US" dirty="0"/>
@@ -756,35 +756,35 @@
           <a:p>
             <a:pPr lvl="0"/>
             <a:r>
-              <a:rPr lang="en-US" smtClean="0"/>
+              <a:rPr lang="en-US"/>
               <a:t>Edit Master text styles</a:t>
             </a:r>
           </a:p>
           <a:p>
             <a:pPr lvl="1"/>
             <a:r>
-              <a:rPr lang="en-US" smtClean="0"/>
+              <a:rPr lang="en-US"/>
               <a:t>Second level</a:t>
             </a:r>
           </a:p>
           <a:p>
             <a:pPr lvl="2"/>
             <a:r>
-              <a:rPr lang="en-US" smtClean="0"/>
+              <a:rPr lang="en-US"/>
               <a:t>Third level</a:t>
             </a:r>
           </a:p>
           <a:p>
             <a:pPr lvl="3"/>
             <a:r>
-              <a:rPr lang="en-US" smtClean="0"/>
+              <a:rPr lang="en-US"/>
               <a:t>Fourth level</a:t>
             </a:r>
           </a:p>
           <a:p>
             <a:pPr lvl="4"/>
             <a:r>
-              <a:rPr lang="en-US" smtClean="0"/>
+              <a:rPr lang="en-US"/>
               <a:t>Fifth level</a:t>
             </a:r>
             <a:endParaRPr lang="en-US" dirty="0"/>
@@ -902,7 +902,7 @@
           <a:lstStyle/>
           <a:p>
             <a:r>
-              <a:rPr lang="en-US" smtClean="0"/>
+              <a:rPr lang="en-US"/>
               <a:t>Click to edit Master title style</a:t>
             </a:r>
             <a:endParaRPr lang="en-US" dirty="0"/>
@@ -926,35 +926,35 @@
           <a:p>
             <a:pPr lvl="0"/>
             <a:r>
-              <a:rPr lang="en-US" smtClean="0"/>
+              <a:rPr lang="en-US"/>
               <a:t>Edit Master text styles</a:t>
             </a:r>
           </a:p>
           <a:p>
             <a:pPr lvl="1"/>
             <a:r>
-              <a:rPr lang="en-US" smtClean="0"/>
+              <a:rPr lang="en-US"/>
               <a:t>Second level</a:t>
             </a:r>
           </a:p>
           <a:p>
             <a:pPr lvl="2"/>
             <a:r>
-              <a:rPr lang="en-US" smtClean="0"/>
+              <a:rPr lang="en-US"/>
               <a:t>Third level</a:t>
             </a:r>
           </a:p>
           <a:p>
             <a:pPr lvl="3"/>
             <a:r>
-              <a:rPr lang="en-US" smtClean="0"/>
+              <a:rPr lang="en-US"/>
               <a:t>Fourth level</a:t>
             </a:r>
           </a:p>
           <a:p>
             <a:pPr lvl="4"/>
             <a:r>
-              <a:rPr lang="en-US" smtClean="0"/>
+              <a:rPr lang="en-US"/>
               <a:t>Fifth level</a:t>
             </a:r>
             <a:endParaRPr lang="en-US" dirty="0"/>
@@ -1177,7 +1177,7 @@
           </a:lstStyle>
           <a:p>
             <a:r>
-              <a:rPr lang="en-US" smtClean="0"/>
+              <a:rPr lang="en-US"/>
               <a:t>Click to edit Master title style</a:t>
             </a:r>
             <a:endParaRPr lang="en-US" dirty="0"/>
@@ -1298,7 +1298,7 @@
           <a:p>
             <a:pPr lvl="0"/>
             <a:r>
-              <a:rPr lang="en-US" smtClean="0"/>
+              <a:rPr lang="en-US"/>
               <a:t>Edit Master text styles</a:t>
             </a:r>
           </a:p>
@@ -1458,7 +1458,7 @@
           <a:lstStyle/>
           <a:p>
             <a:r>
-              <a:rPr lang="en-US" smtClean="0"/>
+              <a:rPr lang="en-US"/>
               <a:t>Click to edit Master title style</a:t>
             </a:r>
             <a:endParaRPr lang="en-US" dirty="0"/>
@@ -1487,35 +1487,35 @@
           <a:p>
             <a:pPr lvl="0"/>
             <a:r>
-              <a:rPr lang="en-US" smtClean="0"/>
+              <a:rPr lang="en-US"/>
               <a:t>Edit Master text styles</a:t>
             </a:r>
           </a:p>
           <a:p>
             <a:pPr lvl="1"/>
             <a:r>
-              <a:rPr lang="en-US" smtClean="0"/>
+              <a:rPr lang="en-US"/>
               <a:t>Second level</a:t>
             </a:r>
           </a:p>
           <a:p>
             <a:pPr lvl="2"/>
             <a:r>
-              <a:rPr lang="en-US" smtClean="0"/>
+              <a:rPr lang="en-US"/>
               <a:t>Third level</a:t>
             </a:r>
           </a:p>
           <a:p>
             <a:pPr lvl="3"/>
             <a:r>
-              <a:rPr lang="en-US" smtClean="0"/>
+              <a:rPr lang="en-US"/>
               <a:t>Fourth level</a:t>
             </a:r>
           </a:p>
           <a:p>
             <a:pPr lvl="4"/>
             <a:r>
-              <a:rPr lang="en-US" smtClean="0"/>
+              <a:rPr lang="en-US"/>
               <a:t>Fifth level</a:t>
             </a:r>
             <a:endParaRPr lang="en-US" dirty="0"/>
@@ -1544,35 +1544,35 @@
           <a:p>
             <a:pPr lvl="0"/>
             <a:r>
-              <a:rPr lang="en-US" smtClean="0"/>
+              <a:rPr lang="en-US"/>
               <a:t>Edit Master text styles</a:t>
             </a:r>
           </a:p>
           <a:p>
             <a:pPr lvl="1"/>
             <a:r>
-              <a:rPr lang="en-US" smtClean="0"/>
+              <a:rPr lang="en-US"/>
               <a:t>Second level</a:t>
             </a:r>
           </a:p>
           <a:p>
             <a:pPr lvl="2"/>
             <a:r>
-              <a:rPr lang="en-US" smtClean="0"/>
+              <a:rPr lang="en-US"/>
               <a:t>Third level</a:t>
             </a:r>
           </a:p>
           <a:p>
             <a:pPr lvl="3"/>
             <a:r>
-              <a:rPr lang="en-US" smtClean="0"/>
+              <a:rPr lang="en-US"/>
               <a:t>Fourth level</a:t>
             </a:r>
           </a:p>
           <a:p>
             <a:pPr lvl="4"/>
             <a:r>
-              <a:rPr lang="en-US" smtClean="0"/>
+              <a:rPr lang="en-US"/>
               <a:t>Fifth level</a:t>
             </a:r>
             <a:endParaRPr lang="en-US" dirty="0"/>
@@ -1695,7 +1695,7 @@
           <a:lstStyle/>
           <a:p>
             <a:r>
-              <a:rPr lang="en-US" smtClean="0"/>
+              <a:rPr lang="en-US"/>
               <a:t>Click to edit Master title style</a:t>
             </a:r>
             <a:endParaRPr lang="en-US" dirty="0"/>
@@ -1767,7 +1767,7 @@
           <a:p>
             <a:pPr lvl="0"/>
             <a:r>
-              <a:rPr lang="en-US" smtClean="0"/>
+              <a:rPr lang="en-US"/>
               <a:t>Edit Master text styles</a:t>
             </a:r>
           </a:p>
@@ -1795,35 +1795,35 @@
           <a:p>
             <a:pPr lvl="0"/>
             <a:r>
-              <a:rPr lang="en-US" smtClean="0"/>
+              <a:rPr lang="en-US"/>
               <a:t>Edit Master text styles</a:t>
             </a:r>
           </a:p>
           <a:p>
             <a:pPr lvl="1"/>
             <a:r>
-              <a:rPr lang="en-US" smtClean="0"/>
+              <a:rPr lang="en-US"/>
               <a:t>Second level</a:t>
             </a:r>
           </a:p>
           <a:p>
             <a:pPr lvl="2"/>
             <a:r>
-              <a:rPr lang="en-US" smtClean="0"/>
+              <a:rPr lang="en-US"/>
               <a:t>Third level</a:t>
             </a:r>
           </a:p>
           <a:p>
             <a:pPr lvl="3"/>
             <a:r>
-              <a:rPr lang="en-US" smtClean="0"/>
+              <a:rPr lang="en-US"/>
               <a:t>Fourth level</a:t>
             </a:r>
           </a:p>
           <a:p>
             <a:pPr lvl="4"/>
             <a:r>
-              <a:rPr lang="en-US" smtClean="0"/>
+              <a:rPr lang="en-US"/>
               <a:t>Fifth level</a:t>
             </a:r>
             <a:endParaRPr lang="en-US" dirty="0"/>
@@ -1895,7 +1895,7 @@
           <a:p>
             <a:pPr lvl="0"/>
             <a:r>
-              <a:rPr lang="en-US" smtClean="0"/>
+              <a:rPr lang="en-US"/>
               <a:t>Edit Master text styles</a:t>
             </a:r>
           </a:p>
@@ -1923,35 +1923,35 @@
           <a:p>
             <a:pPr lvl="0"/>
             <a:r>
-              <a:rPr lang="en-US" smtClean="0"/>
+              <a:rPr lang="en-US"/>
               <a:t>Edit Master text styles</a:t>
             </a:r>
           </a:p>
           <a:p>
             <a:pPr lvl="1"/>
             <a:r>
-              <a:rPr lang="en-US" smtClean="0"/>
+              <a:rPr lang="en-US"/>
               <a:t>Second level</a:t>
             </a:r>
           </a:p>
           <a:p>
             <a:pPr lvl="2"/>
             <a:r>
-              <a:rPr lang="en-US" smtClean="0"/>
+              <a:rPr lang="en-US"/>
               <a:t>Third level</a:t>
             </a:r>
           </a:p>
           <a:p>
             <a:pPr lvl="3"/>
             <a:r>
-              <a:rPr lang="en-US" smtClean="0"/>
+              <a:rPr lang="en-US"/>
               <a:t>Fourth level</a:t>
             </a:r>
           </a:p>
           <a:p>
             <a:pPr lvl="4"/>
             <a:r>
-              <a:rPr lang="en-US" smtClean="0"/>
+              <a:rPr lang="en-US"/>
               <a:t>Fifth level</a:t>
             </a:r>
             <a:endParaRPr lang="en-US" dirty="0"/>
@@ -2069,7 +2069,7 @@
           <a:lstStyle/>
           <a:p>
             <a:r>
-              <a:rPr lang="en-US" smtClean="0"/>
+              <a:rPr lang="en-US"/>
               <a:t>Click to edit Master title style</a:t>
             </a:r>
             <a:endParaRPr lang="en-US" dirty="0"/>
@@ -2457,7 +2457,7 @@
           </a:lstStyle>
           <a:p>
             <a:r>
-              <a:rPr lang="en-US" smtClean="0"/>
+              <a:rPr lang="en-US"/>
               <a:t>Click to edit Master title style</a:t>
             </a:r>
             <a:endParaRPr lang="en-US" dirty="0"/>
@@ -2486,35 +2486,35 @@
           <a:p>
             <a:pPr lvl="0"/>
             <a:r>
-              <a:rPr lang="en-US" smtClean="0"/>
+              <a:rPr lang="en-US"/>
               <a:t>Edit Master text styles</a:t>
             </a:r>
           </a:p>
           <a:p>
             <a:pPr lvl="1"/>
             <a:r>
-              <a:rPr lang="en-US" smtClean="0"/>
+              <a:rPr lang="en-US"/>
               <a:t>Second level</a:t>
             </a:r>
           </a:p>
           <a:p>
             <a:pPr lvl="2"/>
             <a:r>
-              <a:rPr lang="en-US" smtClean="0"/>
+              <a:rPr lang="en-US"/>
               <a:t>Third level</a:t>
             </a:r>
           </a:p>
           <a:p>
             <a:pPr lvl="3"/>
             <a:r>
-              <a:rPr lang="en-US" smtClean="0"/>
+              <a:rPr lang="en-US"/>
               <a:t>Fourth level</a:t>
             </a:r>
           </a:p>
           <a:p>
             <a:pPr lvl="4"/>
             <a:r>
-              <a:rPr lang="en-US" smtClean="0"/>
+              <a:rPr lang="en-US"/>
               <a:t>Fifth level</a:t>
             </a:r>
             <a:endParaRPr lang="en-US" dirty="0"/>
@@ -2586,7 +2586,7 @@
           <a:p>
             <a:pPr lvl="0"/>
             <a:r>
-              <a:rPr lang="en-US" smtClean="0"/>
+              <a:rPr lang="en-US"/>
               <a:t>Edit Master text styles</a:t>
             </a:r>
           </a:p>
@@ -2824,7 +2824,7 @@
           </a:lstStyle>
           <a:p>
             <a:r>
-              <a:rPr lang="en-US" smtClean="0"/>
+              <a:rPr lang="en-US"/>
               <a:t>Click to edit Master title style</a:t>
             </a:r>
             <a:endParaRPr lang="en-US" dirty="0"/>
@@ -2894,7 +2894,7 @@
           </a:lstStyle>
           <a:p>
             <a:r>
-              <a:rPr lang="en-US" smtClean="0"/>
+              <a:rPr lang="en-US"/>
               <a:t>Click icon to add picture</a:t>
             </a:r>
             <a:endParaRPr lang="en-US" dirty="0"/>
@@ -2972,7 +2972,7 @@
           <a:p>
             <a:pPr lvl="0"/>
             <a:r>
-              <a:rPr lang="en-US" smtClean="0"/>
+              <a:rPr lang="en-US"/>
               <a:t>Edit Master text styles</a:t>
             </a:r>
           </a:p>
@@ -3180,7 +3180,7 @@
           <a:lstStyle/>
           <a:p>
             <a:r>
-              <a:rPr lang="en-US" smtClean="0"/>
+              <a:rPr lang="en-US"/>
               <a:t>Click to edit Master title style</a:t>
             </a:r>
             <a:endParaRPr lang="en-US" dirty="0"/>
@@ -3214,35 +3214,35 @@
           <a:p>
             <a:pPr lvl="0"/>
             <a:r>
-              <a:rPr lang="en-US" smtClean="0"/>
+              <a:rPr lang="en-US"/>
               <a:t>Edit Master text styles</a:t>
             </a:r>
           </a:p>
           <a:p>
             <a:pPr lvl="1"/>
             <a:r>
-              <a:rPr lang="en-US" smtClean="0"/>
+              <a:rPr lang="en-US"/>
               <a:t>Second level</a:t>
             </a:r>
           </a:p>
           <a:p>
             <a:pPr lvl="2"/>
             <a:r>
-              <a:rPr lang="en-US" smtClean="0"/>
+              <a:rPr lang="en-US"/>
               <a:t>Third level</a:t>
             </a:r>
           </a:p>
           <a:p>
             <a:pPr lvl="3"/>
             <a:r>
-              <a:rPr lang="en-US" smtClean="0"/>
+              <a:rPr lang="en-US"/>
               <a:t>Fourth level</a:t>
             </a:r>
           </a:p>
           <a:p>
             <a:pPr lvl="4"/>
             <a:r>
-              <a:rPr lang="en-US" smtClean="0"/>
+              <a:rPr lang="en-US"/>
               <a:t>Fifth level</a:t>
             </a:r>
             <a:endParaRPr lang="en-US" dirty="0"/>
@@ -3834,7 +3834,7 @@
           <a:p>
             <a:pPr algn="ctr"/>
             <a:r>
-              <a:rPr lang="en-US" sz="8800" b="1" i="1" dirty="0" smtClean="0">
+              <a:rPr lang="en-US" sz="8800" b="1" i="1" dirty="0">
                 <a:ln w="9525">
                   <a:solidFill>
                     <a:schemeClr val="bg1"/>
@@ -3900,7 +3900,7 @@
           <a:lstStyle/>
           <a:p>
             <a:r>
-              <a:rPr lang="bg-BG" sz="3600" i="1" dirty="0" smtClean="0">
+              <a:rPr lang="bg-BG" sz="3600" i="1" dirty="0">
                 <a:solidFill>
                   <a:schemeClr val="bg1">
                     <a:lumMod val="50000"/>
@@ -3912,7 +3912,7 @@
           </a:p>
           <a:p>
             <a:r>
-              <a:rPr lang="bg-BG" sz="3600" i="1" dirty="0" smtClean="0">
+              <a:rPr lang="bg-BG" sz="3600" i="1" dirty="0">
                 <a:solidFill>
                   <a:schemeClr val="bg1">
                     <a:lumMod val="50000"/>
@@ -3937,13 +3937,6 @@
   <p:transition spd="slow">
     <p:push dir="u"/>
   </p:transition>
-  <p:timing>
-    <p:tnLst>
-      <p:par>
-        <p:cTn id="1" dur="indefinite" restart="never" nodeType="tmRoot"/>
-      </p:par>
-    </p:tnLst>
-  </p:timing>
 </p:sld>
 </file>
 
@@ -3991,18 +3984,13 @@
           <a:p>
             <a:pPr algn="ctr"/>
             <a:r>
-              <a:rPr lang="bg-BG" sz="5400" b="1" i="1" dirty="0" smtClean="0">
+              <a:rPr lang="bg-BG" sz="5400" b="1" i="1" dirty="0">
                 <a:solidFill>
                   <a:schemeClr val="bg1"/>
                 </a:solidFill>
               </a:rPr>
               <a:t>Описание на проекта</a:t>
             </a:r>
-            <a:endParaRPr lang="bg-BG" sz="5400" b="1" i="1" dirty="0">
-              <a:solidFill>
-                <a:schemeClr val="bg1"/>
-              </a:solidFill>
-            </a:endParaRPr>
           </a:p>
         </p:txBody>
       </p:sp>
@@ -4089,7 +4077,7 @@
               <a:buNone/>
             </a:pPr>
             <a:r>
-              <a:rPr lang="bg-BG" sz="3200" b="1" i="1" dirty="0" smtClean="0">
+              <a:rPr lang="bg-BG" sz="3200" b="1" i="1" dirty="0">
                 <a:solidFill>
                   <a:schemeClr val="bg1"/>
                 </a:solidFill>
@@ -4097,7 +4085,7 @@
               <a:t>Конструиране на мобилна роботизирана количка чрез микроконтролер </a:t>
             </a:r>
             <a:r>
-              <a:rPr lang="en-US" sz="3200" b="1" i="1" dirty="0" smtClean="0">
+              <a:rPr lang="en-US" sz="3200" b="1" i="1" dirty="0">
                 <a:solidFill>
                   <a:schemeClr val="bg1"/>
                 </a:solidFill>
@@ -4105,14 +4093,14 @@
               <a:t>ARDUINO UNO</a:t>
             </a:r>
             <a:r>
-              <a:rPr lang="bg-BG" sz="3200" b="1" i="1" dirty="0" smtClean="0">
+              <a:rPr lang="bg-BG" sz="3200" b="1" i="1" dirty="0">
                 <a:solidFill>
                   <a:schemeClr val="bg1"/>
                 </a:solidFill>
               </a:rPr>
               <a:t>, задвижвана от електромоторчета.</a:t>
             </a:r>
-            <a:endParaRPr lang="en-US" sz="3200" b="1" i="1" dirty="0" smtClean="0">
+            <a:endParaRPr lang="en-US" sz="3200" b="1" i="1" dirty="0">
               <a:solidFill>
                 <a:schemeClr val="bg1"/>
               </a:solidFill>
@@ -4139,13 +4127,6 @@
   <p:transition spd="slow">
     <p:wipe/>
   </p:transition>
-  <p:timing>
-    <p:tnLst>
-      <p:par>
-        <p:cTn id="1" dur="indefinite" restart="never" nodeType="tmRoot"/>
-      </p:par>
-    </p:tnLst>
-  </p:timing>
 </p:sld>
 </file>
 
@@ -4183,30 +4164,31 @@
           <a:p>
             <a:pPr algn="ctr"/>
             <a:r>
-              <a:rPr lang="bg-BG" b="1" i="1" dirty="0" smtClean="0">
+              <a:rPr lang="bg-BG" b="1" i="1" dirty="0">
                 <a:solidFill>
                   <a:srgbClr val="C00000"/>
                 </a:solidFill>
               </a:rPr>
               <a:t>Блок схема</a:t>
             </a:r>
-            <a:endParaRPr lang="bg-BG" b="1" i="1" dirty="0">
-              <a:solidFill>
-                <a:srgbClr val="C00000"/>
-              </a:solidFill>
-            </a:endParaRPr>
           </a:p>
         </p:txBody>
       </p:sp>
       <p:pic>
         <p:nvPicPr>
-          <p:cNvPr id="1026" name="Picture 2" descr="https://scontent.fsof10-1.fna.fbcdn.net/v/t1.15752-9/66053819_359587614706508_6862668598620454912_n.png?_nc_cat=100&amp;_nc_oc=AQmY0pYvMkwPyY438pGagTS4vBJV1iG1BZp2y8T9FxQ2EEAFQLjGIaf1dM0vNYPtMlI&amp;_nc_ht=scontent.fsof10-1.fna&amp;oh=b3337fdfc02745fec3e96878f751b8ae&amp;oe=5DBD66D4"/>
+          <p:cNvPr id="3" name="Картина 2">
+            <a:extLst>
+              <a:ext uri="{FF2B5EF4-FFF2-40B4-BE49-F238E27FC236}">
+                <a16:creationId xmlns:a16="http://schemas.microsoft.com/office/drawing/2014/main" id="{2D0E5879-3922-4A10-949A-548A7C7E704F}"/>
+              </a:ext>
+            </a:extLst>
+          </p:cNvPr>
           <p:cNvPicPr>
-            <a:picLocks noChangeAspect="1" noChangeArrowheads="1"/>
+            <a:picLocks noChangeAspect="1"/>
           </p:cNvPicPr>
           <p:nvPr/>
         </p:nvPicPr>
-        <p:blipFill rotWithShape="1">
+        <p:blipFill>
           <a:blip r:embed="rId2">
             <a:extLst>
               <a:ext uri="{28A0092B-C50C-407E-A947-70E740481C1C}">
@@ -4214,27 +4196,18 @@
               </a:ext>
             </a:extLst>
           </a:blip>
-          <a:srcRect l="1" r="35332"/>
-          <a:stretch/>
+          <a:stretch>
+            <a:fillRect/>
+          </a:stretch>
         </p:blipFill>
-        <p:spPr bwMode="auto">
-          <a:xfrm>
-            <a:off x="4723130" y="2088943"/>
-            <a:ext cx="2806700" cy="3899626"/>
+        <p:spPr>
+          <a:xfrm>
+            <a:off x="3995738" y="1899138"/>
+            <a:ext cx="3769628" cy="4291051"/>
           </a:xfrm>
           <a:prstGeom prst="rect">
             <a:avLst/>
           </a:prstGeom>
-          <a:noFill/>
-          <a:extLst>
-            <a:ext uri="{909E8E84-426E-40DD-AFC4-6F175D3DCCD1}">
-              <a14:hiddenFill xmlns:a14="http://schemas.microsoft.com/office/drawing/2010/main">
-                <a:solidFill>
-                  <a:srgbClr val="FFFFFF"/>
-                </a:solidFill>
-              </a14:hiddenFill>
-            </a:ext>
-          </a:extLst>
         </p:spPr>
       </p:pic>
     </p:spTree>
@@ -4250,13 +4223,6 @@
   <p:transition spd="slow">
     <p:wipe/>
   </p:transition>
-  <p:timing>
-    <p:tnLst>
-      <p:par>
-        <p:cTn id="1" dur="indefinite" restart="never" nodeType="tmRoot"/>
-      </p:par>
-    </p:tnLst>
-  </p:timing>
 </p:sld>
 </file>
 
@@ -4294,18 +4260,13 @@
           <a:p>
             <a:pPr algn="ctr"/>
             <a:r>
-              <a:rPr lang="bg-BG" b="1" i="1" dirty="0" smtClean="0">
+              <a:rPr lang="bg-BG" b="1" i="1" dirty="0">
                 <a:solidFill>
                   <a:srgbClr val="C00000"/>
                 </a:solidFill>
               </a:rPr>
               <a:t>Електрическа схема</a:t>
             </a:r>
-            <a:endParaRPr lang="bg-BG" b="1" i="1" dirty="0">
-              <a:solidFill>
-                <a:srgbClr val="C00000"/>
-              </a:solidFill>
-            </a:endParaRPr>
           </a:p>
         </p:txBody>
       </p:sp>
@@ -4348,13 +4309,6 @@
   <p:transition spd="slow">
     <p:wipe/>
   </p:transition>
-  <p:timing>
-    <p:tnLst>
-      <p:par>
-        <p:cTn id="1" dur="indefinite" restart="never" nodeType="tmRoot"/>
-      </p:par>
-    </p:tnLst>
-  </p:timing>
 </p:sld>
 </file>
 
@@ -4392,18 +4346,13 @@
           <a:p>
             <a:pPr algn="ctr"/>
             <a:r>
-              <a:rPr lang="bg-BG" b="1" i="1" dirty="0" smtClean="0">
+              <a:rPr lang="bg-BG" b="1" i="1" dirty="0">
                 <a:solidFill>
                   <a:srgbClr val="C00000"/>
                 </a:solidFill>
               </a:rPr>
               <a:t>Списък на съставни части</a:t>
             </a:r>
-            <a:endParaRPr lang="bg-BG" b="1" i="1" dirty="0">
-              <a:solidFill>
-                <a:srgbClr val="C00000"/>
-              </a:solidFill>
-            </a:endParaRPr>
           </a:p>
         </p:txBody>
       </p:sp>
@@ -4429,7 +4378,7 @@
               <a:buAutoNum type="arabicPeriod"/>
             </a:pPr>
             <a:r>
-              <a:rPr lang="bg-BG" dirty="0" smtClean="0"/>
+              <a:rPr lang="bg-BG" dirty="0"/>
               <a:t>Шаси на количката</a:t>
             </a:r>
           </a:p>
@@ -4439,7 +4388,7 @@
               <a:buAutoNum type="arabicPeriod"/>
             </a:pPr>
             <a:r>
-              <a:rPr lang="bg-BG" dirty="0" smtClean="0"/>
+              <a:rPr lang="bg-BG" dirty="0"/>
               <a:t>Предна свободнодвижеща се гума</a:t>
             </a:r>
           </a:p>
@@ -4449,7 +4398,7 @@
               <a:buAutoNum type="arabicPeriod"/>
             </a:pPr>
             <a:r>
-              <a:rPr lang="bg-BG" dirty="0" smtClean="0"/>
+              <a:rPr lang="bg-BG" dirty="0"/>
               <a:t>Две електромоторчета</a:t>
             </a:r>
           </a:p>
@@ -4459,7 +4408,7 @@
               <a:buAutoNum type="arabicPeriod"/>
             </a:pPr>
             <a:r>
-              <a:rPr lang="bg-BG" dirty="0" smtClean="0"/>
+              <a:rPr lang="bg-BG" dirty="0"/>
               <a:t>Две колела с гуми</a:t>
             </a:r>
           </a:p>
@@ -4469,10 +4418,10 @@
               <a:buAutoNum type="arabicPeriod"/>
             </a:pPr>
             <a:r>
-              <a:rPr lang="bg-BG" dirty="0" smtClean="0"/>
+              <a:rPr lang="bg-BG" dirty="0"/>
               <a:t>Батерия</a:t>
             </a:r>
-            <a:endParaRPr lang="en-US" dirty="0" smtClean="0"/>
+            <a:endParaRPr lang="en-US" dirty="0"/>
           </a:p>
           <a:p>
             <a:pPr marL="514350" indent="-514350">
@@ -4480,7 +4429,7 @@
               <a:buAutoNum type="arabicPeriod"/>
             </a:pPr>
             <a:r>
-              <a:rPr lang="en-US" dirty="0" smtClean="0"/>
+              <a:rPr lang="en-US" dirty="0"/>
               <a:t>ARDUINO UNO</a:t>
             </a:r>
           </a:p>
@@ -4490,10 +4439,10 @@
               <a:buAutoNum type="arabicPeriod"/>
             </a:pPr>
             <a:r>
-              <a:rPr lang="en-US" dirty="0" err="1" smtClean="0"/>
+              <a:rPr lang="en-US" dirty="0" err="1"/>
               <a:t>BreadBoard</a:t>
             </a:r>
-            <a:endParaRPr lang="en-US" dirty="0" smtClean="0"/>
+            <a:endParaRPr lang="en-US" dirty="0"/>
           </a:p>
           <a:p>
             <a:pPr marL="514350" indent="-514350">
@@ -4501,7 +4450,7 @@
               <a:buAutoNum type="arabicPeriod"/>
             </a:pPr>
             <a:r>
-              <a:rPr lang="en-US" dirty="0" smtClean="0"/>
+              <a:rPr lang="en-US" dirty="0"/>
               <a:t>Bluetooth module</a:t>
             </a:r>
           </a:p>
@@ -4511,16 +4460,16 @@
               <a:buAutoNum type="arabicPeriod"/>
             </a:pPr>
             <a:r>
-              <a:rPr lang="en-US" dirty="0" smtClean="0"/>
+              <a:rPr lang="en-US" dirty="0"/>
               <a:t>H – bridge</a:t>
             </a:r>
-            <a:endParaRPr lang="bg-BG" dirty="0" smtClean="0"/>
+            <a:endParaRPr lang="bg-BG" dirty="0"/>
           </a:p>
           <a:p>
             <a:pPr marL="0" indent="0">
               <a:buNone/>
             </a:pPr>
-            <a:endParaRPr lang="en-US" dirty="0" smtClean="0"/>
+            <a:endParaRPr lang="en-US" dirty="0"/>
           </a:p>
           <a:p>
             <a:pPr marL="0" indent="0">
@@ -4543,13 +4492,6 @@
   <p:transition spd="slow">
     <p:wipe/>
   </p:transition>
-  <p:timing>
-    <p:tnLst>
-      <p:par>
-        <p:cTn id="1" dur="indefinite" restart="never" nodeType="tmRoot"/>
-      </p:par>
-    </p:tnLst>
-  </p:timing>
 </p:sld>
 </file>
 
@@ -4587,7 +4529,7 @@
           <a:p>
             <a:pPr algn="ctr"/>
             <a:r>
-              <a:rPr lang="en-US" b="1" i="1" dirty="0" smtClean="0">
+              <a:rPr lang="en-US" b="1" i="1" dirty="0">
                 <a:solidFill>
                   <a:srgbClr val="C00000"/>
                 </a:solidFill>
@@ -4595,18 +4537,13 @@
               <a:t>Source code – </a:t>
             </a:r>
             <a:r>
-              <a:rPr lang="bg-BG" b="1" i="1" dirty="0" smtClean="0">
+              <a:rPr lang="bg-BG" b="1" i="1" dirty="0">
                 <a:solidFill>
                   <a:srgbClr val="C00000"/>
                 </a:solidFill>
               </a:rPr>
               <a:t>описание на функционалност</a:t>
             </a:r>
-            <a:endParaRPr lang="bg-BG" b="1" i="1" dirty="0">
-              <a:solidFill>
-                <a:srgbClr val="C00000"/>
-              </a:solidFill>
-            </a:endParaRPr>
           </a:p>
         </p:txBody>
       </p:sp>
@@ -4687,13 +4624,6 @@
   <p:transition spd="slow">
     <p:wipe/>
   </p:transition>
-  <p:timing>
-    <p:tnLst>
-      <p:par>
-        <p:cTn id="1" dur="indefinite" restart="never" nodeType="tmRoot"/>
-      </p:par>
-    </p:tnLst>
-  </p:timing>
 </p:sld>
 </file>
 
@@ -4762,25 +4692,18 @@
   <p:clrMapOvr>
     <a:masterClrMapping/>
   </p:clrMapOvr>
-  <mc:AlternateContent xmlns:mc="http://schemas.openxmlformats.org/markup-compatibility/2006">
-    <mc:Choice xmlns:p14="http://schemas.microsoft.com/office/powerpoint/2010/main" Requires="p14">
+  <mc:AlternateContent xmlns:mc="http://schemas.openxmlformats.org/markup-compatibility/2006" xmlns:p14="http://schemas.microsoft.com/office/powerpoint/2010/main">
+    <mc:Choice Requires="p14">
       <p:transition spd="slow" p14:dur="1500">
         <p:split orient="vert"/>
       </p:transition>
     </mc:Choice>
-    <mc:Fallback>
+    <mc:Fallback xmlns="">
       <p:transition spd="slow">
         <p:split orient="vert"/>
       </p:transition>
     </mc:Fallback>
   </mc:AlternateContent>
-  <p:timing>
-    <p:tnLst>
-      <p:par>
-        <p:cTn id="1" dur="indefinite" restart="never" nodeType="tmRoot"/>
-      </p:par>
-    </p:tnLst>
-  </p:timing>
 </p:sld>
 </file>
 
